--- a/01_BGR-300/Figures.pptx
+++ b/01_BGR-300/Figures.pptx
@@ -6,8 +6,9 @@
   </p:sldMasterIdLst>
   <p:sldIdLst>
     <p:sldId id="256" r:id="rId2"/>
-    <p:sldId id="257" r:id="rId3"/>
-    <p:sldId id="258" r:id="rId4"/>
+    <p:sldId id="259" r:id="rId3"/>
+    <p:sldId id="257" r:id="rId4"/>
+    <p:sldId id="258" r:id="rId5"/>
   </p:sldIdLst>
   <p:sldSz cx="9144000" cy="6858000" type="screen4x3"/>
   <p:notesSz cx="6858000" cy="9144000"/>
@@ -106,6 +107,22 @@
       </a:defRPr>
     </a:lvl9pPr>
   </p:defaultTextStyle>
+  <p:extLst>
+    <p:ext uri="{EFAFB233-063F-42B5-8137-9DF3F51BA10A}">
+      <p15:sldGuideLst xmlns:p15="http://schemas.microsoft.com/office/powerpoint/2012/main">
+        <p15:guide id="1" orient="horz" pos="2160">
+          <p15:clr>
+            <a:srgbClr val="A4A3A4"/>
+          </p15:clr>
+        </p15:guide>
+        <p15:guide id="2" pos="2880">
+          <p15:clr>
+            <a:srgbClr val="A4A3A4"/>
+          </p15:clr>
+        </p15:guide>
+      </p15:sldGuideLst>
+    </p:ext>
+  </p:extLst>
 </p:presentation>
 </file>
 
@@ -147,7 +164,7 @@
           <a:lstStyle/>
           <a:p>
             <a:r>
-              <a:rPr lang="fr-FR" smtClean="0"/>
+              <a:rPr lang="fr-FR"/>
               <a:t>Cliquez pour modifier le style du titre</a:t>
             </a:r>
             <a:endParaRPr lang="fr-BE"/>
@@ -266,7 +283,7 @@
           </a:lstStyle>
           <a:p>
             <a:r>
-              <a:rPr lang="fr-FR" smtClean="0"/>
+              <a:rPr lang="fr-FR"/>
               <a:t>Cliquez pour modifier le style des sous-titres du masque</a:t>
             </a:r>
             <a:endParaRPr lang="fr-BE"/>
@@ -290,7 +307,7 @@
           <a:p>
             <a:fld id="{AA309A6D-C09C-4548-B29A-6CF363A7E532}" type="datetimeFigureOut">
               <a:rPr lang="fr-FR" smtClean="0"/>
-              <a:t>17/05/2018</a:t>
+              <a:t>14/05/2024</a:t>
             </a:fld>
             <a:endParaRPr lang="fr-BE"/>
           </a:p>
@@ -379,7 +396,7 @@
           <a:lstStyle/>
           <a:p>
             <a:r>
-              <a:rPr lang="fr-FR" smtClean="0"/>
+              <a:rPr lang="fr-FR"/>
               <a:t>Cliquez pour modifier le style du titre</a:t>
             </a:r>
             <a:endParaRPr lang="fr-BE"/>
@@ -403,35 +420,35 @@
           <a:p>
             <a:pPr lvl="0"/>
             <a:r>
-              <a:rPr lang="fr-FR" smtClean="0"/>
+              <a:rPr lang="fr-FR"/>
               <a:t>Cliquez pour modifier les styles du texte du masque</a:t>
             </a:r>
           </a:p>
           <a:p>
             <a:pPr lvl="1"/>
             <a:r>
-              <a:rPr lang="fr-FR" smtClean="0"/>
+              <a:rPr lang="fr-FR"/>
               <a:t>Deuxième niveau</a:t>
             </a:r>
           </a:p>
           <a:p>
             <a:pPr lvl="2"/>
             <a:r>
-              <a:rPr lang="fr-FR" smtClean="0"/>
+              <a:rPr lang="fr-FR"/>
               <a:t>Troisième niveau</a:t>
             </a:r>
           </a:p>
           <a:p>
             <a:pPr lvl="3"/>
             <a:r>
-              <a:rPr lang="fr-FR" smtClean="0"/>
+              <a:rPr lang="fr-FR"/>
               <a:t>Quatrième niveau</a:t>
             </a:r>
           </a:p>
           <a:p>
             <a:pPr lvl="4"/>
             <a:r>
-              <a:rPr lang="fr-FR" smtClean="0"/>
+              <a:rPr lang="fr-FR"/>
               <a:t>Cinquième niveau</a:t>
             </a:r>
             <a:endParaRPr lang="fr-BE"/>
@@ -455,7 +472,7 @@
           <a:p>
             <a:fld id="{AA309A6D-C09C-4548-B29A-6CF363A7E532}" type="datetimeFigureOut">
               <a:rPr lang="fr-FR" smtClean="0"/>
-              <a:t>17/05/2018</a:t>
+              <a:t>14/05/2024</a:t>
             </a:fld>
             <a:endParaRPr lang="fr-BE"/>
           </a:p>
@@ -549,7 +566,7 @@
           <a:lstStyle/>
           <a:p>
             <a:r>
-              <a:rPr lang="fr-FR" smtClean="0"/>
+              <a:rPr lang="fr-FR"/>
               <a:t>Cliquez pour modifier le style du titre</a:t>
             </a:r>
             <a:endParaRPr lang="fr-BE"/>
@@ -578,35 +595,35 @@
           <a:p>
             <a:pPr lvl="0"/>
             <a:r>
-              <a:rPr lang="fr-FR" smtClean="0"/>
+              <a:rPr lang="fr-FR"/>
               <a:t>Cliquez pour modifier les styles du texte du masque</a:t>
             </a:r>
           </a:p>
           <a:p>
             <a:pPr lvl="1"/>
             <a:r>
-              <a:rPr lang="fr-FR" smtClean="0"/>
+              <a:rPr lang="fr-FR"/>
               <a:t>Deuxième niveau</a:t>
             </a:r>
           </a:p>
           <a:p>
             <a:pPr lvl="2"/>
             <a:r>
-              <a:rPr lang="fr-FR" smtClean="0"/>
+              <a:rPr lang="fr-FR"/>
               <a:t>Troisième niveau</a:t>
             </a:r>
           </a:p>
           <a:p>
             <a:pPr lvl="3"/>
             <a:r>
-              <a:rPr lang="fr-FR" smtClean="0"/>
+              <a:rPr lang="fr-FR"/>
               <a:t>Quatrième niveau</a:t>
             </a:r>
           </a:p>
           <a:p>
             <a:pPr lvl="4"/>
             <a:r>
-              <a:rPr lang="fr-FR" smtClean="0"/>
+              <a:rPr lang="fr-FR"/>
               <a:t>Cinquième niveau</a:t>
             </a:r>
             <a:endParaRPr lang="fr-BE"/>
@@ -630,7 +647,7 @@
           <a:p>
             <a:fld id="{AA309A6D-C09C-4548-B29A-6CF363A7E532}" type="datetimeFigureOut">
               <a:rPr lang="fr-FR" smtClean="0"/>
-              <a:t>17/05/2018</a:t>
+              <a:t>14/05/2024</a:t>
             </a:fld>
             <a:endParaRPr lang="fr-BE"/>
           </a:p>
@@ -719,7 +736,7 @@
           <a:lstStyle/>
           <a:p>
             <a:r>
-              <a:rPr lang="fr-FR" smtClean="0"/>
+              <a:rPr lang="fr-FR"/>
               <a:t>Cliquez pour modifier le style du titre</a:t>
             </a:r>
             <a:endParaRPr lang="fr-BE"/>
@@ -743,35 +760,35 @@
           <a:p>
             <a:pPr lvl="0"/>
             <a:r>
-              <a:rPr lang="fr-FR" smtClean="0"/>
+              <a:rPr lang="fr-FR"/>
               <a:t>Cliquez pour modifier les styles du texte du masque</a:t>
             </a:r>
           </a:p>
           <a:p>
             <a:pPr lvl="1"/>
             <a:r>
-              <a:rPr lang="fr-FR" smtClean="0"/>
+              <a:rPr lang="fr-FR"/>
               <a:t>Deuxième niveau</a:t>
             </a:r>
           </a:p>
           <a:p>
             <a:pPr lvl="2"/>
             <a:r>
-              <a:rPr lang="fr-FR" smtClean="0"/>
+              <a:rPr lang="fr-FR"/>
               <a:t>Troisième niveau</a:t>
             </a:r>
           </a:p>
           <a:p>
             <a:pPr lvl="3"/>
             <a:r>
-              <a:rPr lang="fr-FR" smtClean="0"/>
+              <a:rPr lang="fr-FR"/>
               <a:t>Quatrième niveau</a:t>
             </a:r>
           </a:p>
           <a:p>
             <a:pPr lvl="4"/>
             <a:r>
-              <a:rPr lang="fr-FR" smtClean="0"/>
+              <a:rPr lang="fr-FR"/>
               <a:t>Cinquième niveau</a:t>
             </a:r>
             <a:endParaRPr lang="fr-BE"/>
@@ -795,7 +812,7 @@
           <a:p>
             <a:fld id="{AA309A6D-C09C-4548-B29A-6CF363A7E532}" type="datetimeFigureOut">
               <a:rPr lang="fr-FR" smtClean="0"/>
-              <a:t>17/05/2018</a:t>
+              <a:t>14/05/2024</a:t>
             </a:fld>
             <a:endParaRPr lang="fr-BE"/>
           </a:p>
@@ -893,7 +910,7 @@
           </a:lstStyle>
           <a:p>
             <a:r>
-              <a:rPr lang="fr-FR" smtClean="0"/>
+              <a:rPr lang="fr-FR"/>
               <a:t>Cliquez pour modifier le style du titre</a:t>
             </a:r>
             <a:endParaRPr lang="fr-BE"/>
@@ -1013,7 +1030,7 @@
           <a:p>
             <a:pPr lvl="0"/>
             <a:r>
-              <a:rPr lang="fr-FR" smtClean="0"/>
+              <a:rPr lang="fr-FR"/>
               <a:t>Cliquez pour modifier les styles du texte du masque</a:t>
             </a:r>
           </a:p>
@@ -1036,7 +1053,7 @@
           <a:p>
             <a:fld id="{AA309A6D-C09C-4548-B29A-6CF363A7E532}" type="datetimeFigureOut">
               <a:rPr lang="fr-FR" smtClean="0"/>
-              <a:t>17/05/2018</a:t>
+              <a:t>14/05/2024</a:t>
             </a:fld>
             <a:endParaRPr lang="fr-BE"/>
           </a:p>
@@ -1125,7 +1142,7 @@
           <a:lstStyle/>
           <a:p>
             <a:r>
-              <a:rPr lang="fr-FR" smtClean="0"/>
+              <a:rPr lang="fr-FR"/>
               <a:t>Cliquez pour modifier le style du titre</a:t>
             </a:r>
             <a:endParaRPr lang="fr-BE"/>
@@ -1182,35 +1199,35 @@
           <a:p>
             <a:pPr lvl="0"/>
             <a:r>
-              <a:rPr lang="fr-FR" smtClean="0"/>
+              <a:rPr lang="fr-FR"/>
               <a:t>Cliquez pour modifier les styles du texte du masque</a:t>
             </a:r>
           </a:p>
           <a:p>
             <a:pPr lvl="1"/>
             <a:r>
-              <a:rPr lang="fr-FR" smtClean="0"/>
+              <a:rPr lang="fr-FR"/>
               <a:t>Deuxième niveau</a:t>
             </a:r>
           </a:p>
           <a:p>
             <a:pPr lvl="2"/>
             <a:r>
-              <a:rPr lang="fr-FR" smtClean="0"/>
+              <a:rPr lang="fr-FR"/>
               <a:t>Troisième niveau</a:t>
             </a:r>
           </a:p>
           <a:p>
             <a:pPr lvl="3"/>
             <a:r>
-              <a:rPr lang="fr-FR" smtClean="0"/>
+              <a:rPr lang="fr-FR"/>
               <a:t>Quatrième niveau</a:t>
             </a:r>
           </a:p>
           <a:p>
             <a:pPr lvl="4"/>
             <a:r>
-              <a:rPr lang="fr-FR" smtClean="0"/>
+              <a:rPr lang="fr-FR"/>
               <a:t>Cinquième niveau</a:t>
             </a:r>
             <a:endParaRPr lang="fr-BE"/>
@@ -1267,35 +1284,35 @@
           <a:p>
             <a:pPr lvl="0"/>
             <a:r>
-              <a:rPr lang="fr-FR" smtClean="0"/>
+              <a:rPr lang="fr-FR"/>
               <a:t>Cliquez pour modifier les styles du texte du masque</a:t>
             </a:r>
           </a:p>
           <a:p>
             <a:pPr lvl="1"/>
             <a:r>
-              <a:rPr lang="fr-FR" smtClean="0"/>
+              <a:rPr lang="fr-FR"/>
               <a:t>Deuxième niveau</a:t>
             </a:r>
           </a:p>
           <a:p>
             <a:pPr lvl="2"/>
             <a:r>
-              <a:rPr lang="fr-FR" smtClean="0"/>
+              <a:rPr lang="fr-FR"/>
               <a:t>Troisième niveau</a:t>
             </a:r>
           </a:p>
           <a:p>
             <a:pPr lvl="3"/>
             <a:r>
-              <a:rPr lang="fr-FR" smtClean="0"/>
+              <a:rPr lang="fr-FR"/>
               <a:t>Quatrième niveau</a:t>
             </a:r>
           </a:p>
           <a:p>
             <a:pPr lvl="4"/>
             <a:r>
-              <a:rPr lang="fr-FR" smtClean="0"/>
+              <a:rPr lang="fr-FR"/>
               <a:t>Cinquième niveau</a:t>
             </a:r>
             <a:endParaRPr lang="fr-BE"/>
@@ -1319,7 +1336,7 @@
           <a:p>
             <a:fld id="{AA309A6D-C09C-4548-B29A-6CF363A7E532}" type="datetimeFigureOut">
               <a:rPr lang="fr-FR" smtClean="0"/>
-              <a:t>17/05/2018</a:t>
+              <a:t>14/05/2024</a:t>
             </a:fld>
             <a:endParaRPr lang="fr-BE"/>
           </a:p>
@@ -1412,7 +1429,7 @@
           </a:lstStyle>
           <a:p>
             <a:r>
-              <a:rPr lang="fr-FR" smtClean="0"/>
+              <a:rPr lang="fr-FR"/>
               <a:t>Cliquez pour modifier le style du titre</a:t>
             </a:r>
             <a:endParaRPr lang="fr-BE"/>
@@ -1478,7 +1495,7 @@
           <a:p>
             <a:pPr lvl="0"/>
             <a:r>
-              <a:rPr lang="fr-FR" smtClean="0"/>
+              <a:rPr lang="fr-FR"/>
               <a:t>Cliquez pour modifier les styles du texte du masque</a:t>
             </a:r>
           </a:p>
@@ -1534,35 +1551,35 @@
           <a:p>
             <a:pPr lvl="0"/>
             <a:r>
-              <a:rPr lang="fr-FR" smtClean="0"/>
+              <a:rPr lang="fr-FR"/>
               <a:t>Cliquez pour modifier les styles du texte du masque</a:t>
             </a:r>
           </a:p>
           <a:p>
             <a:pPr lvl="1"/>
             <a:r>
-              <a:rPr lang="fr-FR" smtClean="0"/>
+              <a:rPr lang="fr-FR"/>
               <a:t>Deuxième niveau</a:t>
             </a:r>
           </a:p>
           <a:p>
             <a:pPr lvl="2"/>
             <a:r>
-              <a:rPr lang="fr-FR" smtClean="0"/>
+              <a:rPr lang="fr-FR"/>
               <a:t>Troisième niveau</a:t>
             </a:r>
           </a:p>
           <a:p>
             <a:pPr lvl="3"/>
             <a:r>
-              <a:rPr lang="fr-FR" smtClean="0"/>
+              <a:rPr lang="fr-FR"/>
               <a:t>Quatrième niveau</a:t>
             </a:r>
           </a:p>
           <a:p>
             <a:pPr lvl="4"/>
             <a:r>
-              <a:rPr lang="fr-FR" smtClean="0"/>
+              <a:rPr lang="fr-FR"/>
               <a:t>Cinquième niveau</a:t>
             </a:r>
             <a:endParaRPr lang="fr-BE"/>
@@ -1628,7 +1645,7 @@
           <a:p>
             <a:pPr lvl="0"/>
             <a:r>
-              <a:rPr lang="fr-FR" smtClean="0"/>
+              <a:rPr lang="fr-FR"/>
               <a:t>Cliquez pour modifier les styles du texte du masque</a:t>
             </a:r>
           </a:p>
@@ -1684,35 +1701,35 @@
           <a:p>
             <a:pPr lvl="0"/>
             <a:r>
-              <a:rPr lang="fr-FR" smtClean="0"/>
+              <a:rPr lang="fr-FR"/>
               <a:t>Cliquez pour modifier les styles du texte du masque</a:t>
             </a:r>
           </a:p>
           <a:p>
             <a:pPr lvl="1"/>
             <a:r>
-              <a:rPr lang="fr-FR" smtClean="0"/>
+              <a:rPr lang="fr-FR"/>
               <a:t>Deuxième niveau</a:t>
             </a:r>
           </a:p>
           <a:p>
             <a:pPr lvl="2"/>
             <a:r>
-              <a:rPr lang="fr-FR" smtClean="0"/>
+              <a:rPr lang="fr-FR"/>
               <a:t>Troisième niveau</a:t>
             </a:r>
           </a:p>
           <a:p>
             <a:pPr lvl="3"/>
             <a:r>
-              <a:rPr lang="fr-FR" smtClean="0"/>
+              <a:rPr lang="fr-FR"/>
               <a:t>Quatrième niveau</a:t>
             </a:r>
           </a:p>
           <a:p>
             <a:pPr lvl="4"/>
             <a:r>
-              <a:rPr lang="fr-FR" smtClean="0"/>
+              <a:rPr lang="fr-FR"/>
               <a:t>Cinquième niveau</a:t>
             </a:r>
             <a:endParaRPr lang="fr-BE"/>
@@ -1736,7 +1753,7 @@
           <a:p>
             <a:fld id="{AA309A6D-C09C-4548-B29A-6CF363A7E532}" type="datetimeFigureOut">
               <a:rPr lang="fr-FR" smtClean="0"/>
-              <a:t>17/05/2018</a:t>
+              <a:t>14/05/2024</a:t>
             </a:fld>
             <a:endParaRPr lang="fr-BE"/>
           </a:p>
@@ -1825,7 +1842,7 @@
           <a:lstStyle/>
           <a:p>
             <a:r>
-              <a:rPr lang="fr-FR" smtClean="0"/>
+              <a:rPr lang="fr-FR"/>
               <a:t>Cliquez pour modifier le style du titre</a:t>
             </a:r>
             <a:endParaRPr lang="fr-BE"/>
@@ -1849,7 +1866,7 @@
           <a:p>
             <a:fld id="{AA309A6D-C09C-4548-B29A-6CF363A7E532}" type="datetimeFigureOut">
               <a:rPr lang="fr-FR" smtClean="0"/>
-              <a:t>17/05/2018</a:t>
+              <a:t>14/05/2024</a:t>
             </a:fld>
             <a:endParaRPr lang="fr-BE"/>
           </a:p>
@@ -1939,7 +1956,7 @@
           <a:p>
             <a:fld id="{AA309A6D-C09C-4548-B29A-6CF363A7E532}" type="datetimeFigureOut">
               <a:rPr lang="fr-FR" smtClean="0"/>
-              <a:t>17/05/2018</a:t>
+              <a:t>14/05/2024</a:t>
             </a:fld>
             <a:endParaRPr lang="fr-BE"/>
           </a:p>
@@ -2037,7 +2054,7 @@
           </a:lstStyle>
           <a:p>
             <a:r>
-              <a:rPr lang="fr-FR" smtClean="0"/>
+              <a:rPr lang="fr-FR"/>
               <a:t>Cliquez pour modifier le style du titre</a:t>
             </a:r>
             <a:endParaRPr lang="fr-BE"/>
@@ -2094,35 +2111,35 @@
           <a:p>
             <a:pPr lvl="0"/>
             <a:r>
-              <a:rPr lang="fr-FR" smtClean="0"/>
+              <a:rPr lang="fr-FR"/>
               <a:t>Cliquez pour modifier les styles du texte du masque</a:t>
             </a:r>
           </a:p>
           <a:p>
             <a:pPr lvl="1"/>
             <a:r>
-              <a:rPr lang="fr-FR" smtClean="0"/>
+              <a:rPr lang="fr-FR"/>
               <a:t>Deuxième niveau</a:t>
             </a:r>
           </a:p>
           <a:p>
             <a:pPr lvl="2"/>
             <a:r>
-              <a:rPr lang="fr-FR" smtClean="0"/>
+              <a:rPr lang="fr-FR"/>
               <a:t>Troisième niveau</a:t>
             </a:r>
           </a:p>
           <a:p>
             <a:pPr lvl="3"/>
             <a:r>
-              <a:rPr lang="fr-FR" smtClean="0"/>
+              <a:rPr lang="fr-FR"/>
               <a:t>Quatrième niveau</a:t>
             </a:r>
           </a:p>
           <a:p>
             <a:pPr lvl="4"/>
             <a:r>
-              <a:rPr lang="fr-FR" smtClean="0"/>
+              <a:rPr lang="fr-FR"/>
               <a:t>Cinquième niveau</a:t>
             </a:r>
             <a:endParaRPr lang="fr-BE"/>
@@ -2188,7 +2205,7 @@
           <a:p>
             <a:pPr lvl="0"/>
             <a:r>
-              <a:rPr lang="fr-FR" smtClean="0"/>
+              <a:rPr lang="fr-FR"/>
               <a:t>Cliquez pour modifier les styles du texte du masque</a:t>
             </a:r>
           </a:p>
@@ -2211,7 +2228,7 @@
           <a:p>
             <a:fld id="{AA309A6D-C09C-4548-B29A-6CF363A7E532}" type="datetimeFigureOut">
               <a:rPr lang="fr-FR" smtClean="0"/>
-              <a:t>17/05/2018</a:t>
+              <a:t>14/05/2024</a:t>
             </a:fld>
             <a:endParaRPr lang="fr-BE"/>
           </a:p>
@@ -2309,7 +2326,7 @@
           </a:lstStyle>
           <a:p>
             <a:r>
-              <a:rPr lang="fr-FR" smtClean="0"/>
+              <a:rPr lang="fr-FR"/>
               <a:t>Cliquez pour modifier le style du titre</a:t>
             </a:r>
             <a:endParaRPr lang="fr-BE"/>
@@ -2436,7 +2453,7 @@
           <a:p>
             <a:pPr lvl="0"/>
             <a:r>
-              <a:rPr lang="fr-FR" smtClean="0"/>
+              <a:rPr lang="fr-FR"/>
               <a:t>Cliquez pour modifier les styles du texte du masque</a:t>
             </a:r>
           </a:p>
@@ -2459,7 +2476,7 @@
           <a:p>
             <a:fld id="{AA309A6D-C09C-4548-B29A-6CF363A7E532}" type="datetimeFigureOut">
               <a:rPr lang="fr-FR" smtClean="0"/>
-              <a:t>17/05/2018</a:t>
+              <a:t>14/05/2024</a:t>
             </a:fld>
             <a:endParaRPr lang="fr-BE"/>
           </a:p>
@@ -2563,7 +2580,7 @@
           <a:lstStyle/>
           <a:p>
             <a:r>
-              <a:rPr lang="fr-FR" smtClean="0"/>
+              <a:rPr lang="fr-FR"/>
               <a:t>Cliquez pour modifier le style du titre</a:t>
             </a:r>
             <a:endParaRPr lang="fr-BE"/>
@@ -2597,35 +2614,35 @@
           <a:p>
             <a:pPr lvl="0"/>
             <a:r>
-              <a:rPr lang="fr-FR" smtClean="0"/>
+              <a:rPr lang="fr-FR"/>
               <a:t>Cliquez pour modifier les styles du texte du masque</a:t>
             </a:r>
           </a:p>
           <a:p>
             <a:pPr lvl="1"/>
             <a:r>
-              <a:rPr lang="fr-FR" smtClean="0"/>
+              <a:rPr lang="fr-FR"/>
               <a:t>Deuxième niveau</a:t>
             </a:r>
           </a:p>
           <a:p>
             <a:pPr lvl="2"/>
             <a:r>
-              <a:rPr lang="fr-FR" smtClean="0"/>
+              <a:rPr lang="fr-FR"/>
               <a:t>Troisième niveau</a:t>
             </a:r>
           </a:p>
           <a:p>
             <a:pPr lvl="3"/>
             <a:r>
-              <a:rPr lang="fr-FR" smtClean="0"/>
+              <a:rPr lang="fr-FR"/>
               <a:t>Quatrième niveau</a:t>
             </a:r>
           </a:p>
           <a:p>
             <a:pPr lvl="4"/>
             <a:r>
-              <a:rPr lang="fr-FR" smtClean="0"/>
+              <a:rPr lang="fr-FR"/>
               <a:t>Cinquième niveau</a:t>
             </a:r>
             <a:endParaRPr lang="fr-BE"/>
@@ -2667,7 +2684,7 @@
           <a:p>
             <a:fld id="{AA309A6D-C09C-4548-B29A-6CF363A7E532}" type="datetimeFigureOut">
               <a:rPr lang="fr-FR" smtClean="0"/>
-              <a:t>17/05/2018</a:t>
+              <a:t>14/05/2024</a:t>
             </a:fld>
             <a:endParaRPr lang="fr-BE"/>
           </a:p>
@@ -3180,18 +3197,13 @@
           <a:p>
             <a:pPr algn="ctr"/>
             <a:r>
-              <a:rPr lang="fr-FR" sz="1600" b="1" dirty="0" smtClean="0">
+              <a:rPr lang="fr-FR" sz="1600" b="1" dirty="0">
                 <a:solidFill>
                   <a:srgbClr val="FF0000"/>
                 </a:solidFill>
               </a:rPr>
               <a:t>2</a:t>
             </a:r>
-            <a:endParaRPr lang="fr-FR" sz="1600" b="1" dirty="0">
-              <a:solidFill>
-                <a:srgbClr val="FF0000"/>
-              </a:solidFill>
-            </a:endParaRPr>
           </a:p>
         </p:txBody>
       </p:sp>
@@ -3238,18 +3250,13 @@
           <a:p>
             <a:pPr algn="ctr"/>
             <a:r>
-              <a:rPr lang="fr-FR" sz="1600" b="1" dirty="0" smtClean="0">
+              <a:rPr lang="fr-FR" sz="1600" b="1" dirty="0">
                 <a:solidFill>
                   <a:srgbClr val="FF0000"/>
                 </a:solidFill>
               </a:rPr>
               <a:t>1</a:t>
             </a:r>
-            <a:endParaRPr lang="fr-FR" sz="1600" b="1" dirty="0">
-              <a:solidFill>
-                <a:srgbClr val="FF0000"/>
-              </a:solidFill>
-            </a:endParaRPr>
           </a:p>
         </p:txBody>
       </p:sp>
@@ -3296,18 +3303,13 @@
           <a:p>
             <a:pPr algn="ctr"/>
             <a:r>
-              <a:rPr lang="fr-FR" sz="1600" b="1" dirty="0" smtClean="0">
+              <a:rPr lang="fr-FR" sz="1600" b="1" dirty="0">
                 <a:solidFill>
                   <a:srgbClr val="FF0000"/>
                 </a:solidFill>
               </a:rPr>
               <a:t>3</a:t>
             </a:r>
-            <a:endParaRPr lang="fr-FR" sz="1600" b="1" dirty="0">
-              <a:solidFill>
-                <a:srgbClr val="FF0000"/>
-              </a:solidFill>
-            </a:endParaRPr>
           </a:p>
         </p:txBody>
       </p:sp>
@@ -3400,18 +3402,13 @@
           <a:p>
             <a:pPr algn="ctr"/>
             <a:r>
-              <a:rPr lang="fr-FR" sz="1600" b="1" dirty="0" smtClean="0">
+              <a:rPr lang="fr-FR" sz="1600" b="1" dirty="0">
                 <a:solidFill>
                   <a:srgbClr val="FF0000"/>
                 </a:solidFill>
               </a:rPr>
               <a:t>2’</a:t>
             </a:r>
-            <a:endParaRPr lang="fr-FR" sz="1600" b="1" dirty="0">
-              <a:solidFill>
-                <a:srgbClr val="FF0000"/>
-              </a:solidFill>
-            </a:endParaRPr>
           </a:p>
         </p:txBody>
       </p:sp>
@@ -3458,18 +3455,13 @@
           <a:p>
             <a:pPr algn="ctr"/>
             <a:r>
-              <a:rPr lang="fr-FR" sz="1600" b="1" dirty="0" smtClean="0">
+              <a:rPr lang="fr-FR" sz="1600" b="1" dirty="0">
                 <a:solidFill>
                   <a:srgbClr val="FF0000"/>
                 </a:solidFill>
               </a:rPr>
               <a:t>3’</a:t>
             </a:r>
-            <a:endParaRPr lang="fr-FR" sz="1600" b="1" dirty="0">
-              <a:solidFill>
-                <a:srgbClr val="FF0000"/>
-              </a:solidFill>
-            </a:endParaRPr>
           </a:p>
         </p:txBody>
       </p:sp>
@@ -3533,6 +3525,165 @@
 </file>
 
 <file path=ppt/slides/slide2.xml><?xml version="1.0" encoding="utf-8"?>
+<p:sld xmlns:a="http://schemas.openxmlformats.org/drawingml/2006/main" xmlns:r="http://schemas.openxmlformats.org/officeDocument/2006/relationships" xmlns:p="http://schemas.openxmlformats.org/presentationml/2006/main">
+  <p:cSld>
+    <p:spTree>
+      <p:nvGrpSpPr>
+        <p:cNvPr id="1" name=""/>
+        <p:cNvGrpSpPr/>
+        <p:nvPr/>
+      </p:nvGrpSpPr>
+      <p:grpSpPr>
+        <a:xfrm>
+          <a:off x="0" y="0"/>
+          <a:ext cx="0" cy="0"/>
+          <a:chOff x="0" y="0"/>
+          <a:chExt cx="0" cy="0"/>
+        </a:xfrm>
+      </p:grpSpPr>
+      <p:pic>
+        <p:nvPicPr>
+          <p:cNvPr id="1026" name="Picture 2"/>
+          <p:cNvPicPr>
+            <a:picLocks noChangeAspect="1" noChangeArrowheads="1"/>
+          </p:cNvPicPr>
+          <p:nvPr/>
+        </p:nvPicPr>
+        <p:blipFill>
+          <a:blip r:embed="rId2">
+            <a:extLst>
+              <a:ext uri="{28A0092B-C50C-407E-A947-70E740481C1C}">
+                <a14:useLocalDpi xmlns:a14="http://schemas.microsoft.com/office/drawing/2010/main" val="0"/>
+              </a:ext>
+            </a:extLst>
+          </a:blip>
+          <a:srcRect/>
+          <a:stretch>
+            <a:fillRect/>
+          </a:stretch>
+        </p:blipFill>
+        <p:spPr bwMode="auto">
+          <a:xfrm>
+            <a:off x="611560" y="1196752"/>
+            <a:ext cx="5501928" cy="4218506"/>
+          </a:xfrm>
+          <a:prstGeom prst="rect">
+            <a:avLst/>
+          </a:prstGeom>
+          <a:noFill/>
+          <a:ln>
+            <a:noFill/>
+          </a:ln>
+          <a:extLst>
+            <a:ext uri="{909E8E84-426E-40DD-AFC4-6F175D3DCCD1}">
+              <a14:hiddenFill xmlns:a14="http://schemas.microsoft.com/office/drawing/2010/main">
+                <a:solidFill>
+                  <a:schemeClr val="accent1"/>
+                </a:solidFill>
+              </a14:hiddenFill>
+            </a:ext>
+            <a:ext uri="{91240B29-F687-4F45-9708-019B960494DF}">
+              <a14:hiddenLine xmlns:a14="http://schemas.microsoft.com/office/drawing/2010/main" w="9525">
+                <a:solidFill>
+                  <a:schemeClr val="tx1"/>
+                </a:solidFill>
+                <a:miter lim="800000"/>
+                <a:headEnd/>
+                <a:tailEnd/>
+              </a14:hiddenLine>
+            </a:ext>
+          </a:extLst>
+        </p:spPr>
+      </p:pic>
+      <p:sp>
+        <p:nvSpPr>
+          <p:cNvPr id="10" name="Rectangle 9"/>
+          <p:cNvSpPr/>
+          <p:nvPr/>
+        </p:nvSpPr>
+        <p:spPr>
+          <a:xfrm>
+            <a:off x="5311130" y="1675408"/>
+            <a:ext cx="216023" cy="216024"/>
+          </a:xfrm>
+          <a:prstGeom prst="rect">
+            <a:avLst/>
+          </a:prstGeom>
+          <a:noFill/>
+          <a:ln w="28575">
+            <a:solidFill>
+              <a:srgbClr val="FF0000"/>
+            </a:solidFill>
+          </a:ln>
+        </p:spPr>
+        <p:style>
+          <a:lnRef idx="2">
+            <a:schemeClr val="accent1">
+              <a:shade val="50000"/>
+            </a:schemeClr>
+          </a:lnRef>
+          <a:fillRef idx="1">
+            <a:schemeClr val="accent1"/>
+          </a:fillRef>
+          <a:effectRef idx="0">
+            <a:schemeClr val="accent1"/>
+          </a:effectRef>
+          <a:fontRef idx="minor">
+            <a:schemeClr val="lt1"/>
+          </a:fontRef>
+        </p:style>
+        <p:txBody>
+          <a:bodyPr rtlCol="0" anchor="ctr"/>
+          <a:lstStyle/>
+          <a:p>
+            <a:pPr algn="ctr"/>
+            <a:endParaRPr lang="fr-FR"/>
+          </a:p>
+        </p:txBody>
+      </p:sp>
+      <p:pic>
+        <p:nvPicPr>
+          <p:cNvPr id="3" name="Image 2">
+            <a:extLst>
+              <a:ext uri="{FF2B5EF4-FFF2-40B4-BE49-F238E27FC236}">
+                <a16:creationId xmlns:a16="http://schemas.microsoft.com/office/drawing/2014/main" id="{3A35411D-9677-4629-8833-E6942EF0B522}"/>
+              </a:ext>
+            </a:extLst>
+          </p:cNvPr>
+          <p:cNvPicPr>
+            <a:picLocks noChangeAspect="1"/>
+          </p:cNvPicPr>
+          <p:nvPr/>
+        </p:nvPicPr>
+        <p:blipFill rotWithShape="1">
+          <a:blip r:embed="rId3"/>
+          <a:srcRect l="79788" t="5120" r="1899" b="77209"/>
+          <a:stretch/>
+        </p:blipFill>
+        <p:spPr>
+          <a:xfrm>
+            <a:off x="7596337" y="1891432"/>
+            <a:ext cx="1008112" cy="745480"/>
+          </a:xfrm>
+          <a:prstGeom prst="rect">
+            <a:avLst/>
+          </a:prstGeom>
+        </p:spPr>
+      </p:pic>
+    </p:spTree>
+    <p:extLst>
+      <p:ext uri="{BB962C8B-B14F-4D97-AF65-F5344CB8AC3E}">
+        <p14:creationId xmlns:p14="http://schemas.microsoft.com/office/powerpoint/2010/main" val="3401640262"/>
+      </p:ext>
+    </p:extLst>
+  </p:cSld>
+  <p:clrMapOvr>
+    <a:masterClrMapping/>
+  </p:clrMapOvr>
+</p:sld>
+</file>
+
+<file path=ppt/slides/slide3.xml><?xml version="1.0" encoding="utf-8"?>
 <p:sld xmlns:a="http://schemas.openxmlformats.org/drawingml/2006/main" xmlns:r="http://schemas.openxmlformats.org/officeDocument/2006/relationships" xmlns:p="http://schemas.openxmlformats.org/presentationml/2006/main">
   <p:cSld>
     <p:spTree>
@@ -3616,7 +3767,7 @@
 </p:sld>
 </file>
 
-<file path=ppt/slides/slide3.xml><?xml version="1.0" encoding="utf-8"?>
+<file path=ppt/slides/slide4.xml><?xml version="1.0" encoding="utf-8"?>
 <p:sld xmlns:a="http://schemas.openxmlformats.org/drawingml/2006/main" xmlns:r="http://schemas.openxmlformats.org/officeDocument/2006/relationships" xmlns:p="http://schemas.openxmlformats.org/presentationml/2006/main">
   <p:cSld>
     <p:spTree>
@@ -3892,7 +4043,7 @@
               <a:lstStyle/>
               <a:p>
                 <a:r>
-                  <a:rPr lang="fr-FR" sz="1600" b="1" dirty="0" smtClean="0"/>
+                  <a:rPr lang="fr-FR" sz="1600" b="1" dirty="0"/>
                   <a:t>Choix des courbes à afficher : </a:t>
                 </a:r>
               </a:p>
@@ -3903,11 +4054,7 @@
                 </a:pPr>
                 <a:r>
                   <a:rPr lang="fr-FR" sz="1600" dirty="0"/>
-                  <a:t>c</a:t>
-                </a:r>
-                <a:r>
-                  <a:rPr lang="fr-FR" sz="1600" dirty="0" smtClean="0"/>
-                  <a:t>onsigne de position;</a:t>
+                  <a:t>consigne de position;</a:t>
                 </a:r>
               </a:p>
               <a:p>
@@ -3917,11 +4064,7 @@
                 </a:pPr>
                 <a:r>
                   <a:rPr lang="fr-FR" sz="1600" dirty="0"/>
-                  <a:t>p</a:t>
-                </a:r>
-                <a:r>
-                  <a:rPr lang="fr-FR" sz="1600" dirty="0" smtClean="0"/>
-                  <a:t>osition moteur;</a:t>
+                  <a:t>position moteur;</a:t>
                 </a:r>
               </a:p>
               <a:p>
@@ -3931,11 +4074,7 @@
                 </a:pPr>
                 <a:r>
                   <a:rPr lang="fr-FR" sz="1600" dirty="0"/>
-                  <a:t>c</a:t>
-                </a:r>
-                <a:r>
-                  <a:rPr lang="fr-FR" sz="1600" dirty="0" smtClean="0"/>
-                  <a:t>onsigne de vitesse;</a:t>
+                  <a:t>consigne de vitesse;</a:t>
                 </a:r>
               </a:p>
               <a:p>
@@ -3945,11 +4084,7 @@
                 </a:pPr>
                 <a:r>
                   <a:rPr lang="fr-FR" sz="1600" dirty="0"/>
-                  <a:t>v</a:t>
-                </a:r>
-                <a:r>
-                  <a:rPr lang="fr-FR" sz="1600" dirty="0" smtClean="0"/>
-                  <a:t>itesse moteur;</a:t>
+                  <a:t>vitesse moteur;</a:t>
                 </a:r>
               </a:p>
               <a:p>
@@ -3959,11 +4094,7 @@
                 </a:pPr>
                 <a:r>
                   <a:rPr lang="fr-FR" sz="1600" dirty="0"/>
-                  <a:t>c</a:t>
-                </a:r>
-                <a:r>
-                  <a:rPr lang="fr-FR" sz="1600" dirty="0" smtClean="0"/>
-                  <a:t>onsigne de courant;</a:t>
+                  <a:t>consigne de courant;</a:t>
                 </a:r>
               </a:p>
               <a:p>
@@ -3972,7 +4103,7 @@
                   <a:buChar char="•"/>
                 </a:pPr>
                 <a:r>
-                  <a:rPr lang="fr-FR" sz="1600" dirty="0" smtClean="0"/>
+                  <a:rPr lang="fr-FR" sz="1600" dirty="0"/>
                   <a:t>courant moteur.</a:t>
                 </a:r>
               </a:p>
@@ -4055,7 +4186,7 @@
               <a:lstStyle/>
               <a:p>
                 <a:r>
-                  <a:rPr lang="fr-FR" sz="1600" b="1" dirty="0" smtClean="0"/>
+                  <a:rPr lang="fr-FR" sz="1600" b="1" dirty="0"/>
                   <a:t>Sollicitation de l’axe : </a:t>
                 </a:r>
               </a:p>
@@ -4065,7 +4196,7 @@
                   <a:buChar char="•"/>
                 </a:pPr>
                 <a:r>
-                  <a:rPr lang="fr-FR" sz="1600" dirty="0" smtClean="0"/>
+                  <a:rPr lang="fr-FR" sz="1600" dirty="0"/>
                   <a:t>profil de position;</a:t>
                 </a:r>
               </a:p>
@@ -4076,11 +4207,7 @@
                 </a:pPr>
                 <a:r>
                   <a:rPr lang="fr-FR" sz="1600" dirty="0"/>
-                  <a:t>p</a:t>
-                </a:r>
-                <a:r>
-                  <a:rPr lang="fr-FR" sz="1600" dirty="0" smtClean="0"/>
-                  <a:t>osition;</a:t>
+                  <a:t>position;</a:t>
                 </a:r>
               </a:p>
               <a:p>
@@ -4090,11 +4217,7 @@
                 </a:pPr>
                 <a:r>
                   <a:rPr lang="fr-FR" sz="1600" dirty="0"/>
-                  <a:t>v</a:t>
-                </a:r>
-                <a:r>
-                  <a:rPr lang="fr-FR" sz="1600" dirty="0" smtClean="0"/>
-                  <a:t>itesse;</a:t>
+                  <a:t>vitesse;</a:t>
                 </a:r>
               </a:p>
               <a:p>
@@ -4104,11 +4227,7 @@
                 </a:pPr>
                 <a:r>
                   <a:rPr lang="fr-FR" sz="1600" dirty="0"/>
-                  <a:t>c</a:t>
-                </a:r>
-                <a:r>
-                  <a:rPr lang="fr-FR" sz="1600" dirty="0" smtClean="0"/>
-                  <a:t>ourant.</a:t>
+                  <a:t>courant.</a:t>
                 </a:r>
               </a:p>
             </p:txBody>
@@ -4190,7 +4309,7 @@
               <a:lstStyle/>
               <a:p>
                 <a:r>
-                  <a:rPr lang="fr-FR" sz="1600" b="1" dirty="0" smtClean="0"/>
+                  <a:rPr lang="fr-FR" sz="1600" b="1" dirty="0"/>
                   <a:t>Paramètre Axe</a:t>
                 </a:r>
               </a:p>
@@ -4200,7 +4319,7 @@
                   <a:buChar char="•"/>
                 </a:pPr>
                 <a:r>
-                  <a:rPr lang="fr-FR" sz="1600" dirty="0" smtClean="0"/>
+                  <a:rPr lang="fr-FR" sz="1600" dirty="0"/>
                   <a:t>choix des correcteurs;</a:t>
                 </a:r>
               </a:p>
@@ -4210,7 +4329,7 @@
                   <a:buChar char="•"/>
                 </a:pPr>
                 <a:r>
-                  <a:rPr lang="fr-FR" sz="1600" dirty="0" smtClean="0"/>
+                  <a:rPr lang="fr-FR" sz="1600" dirty="0"/>
                   <a:t>Options de sécurité…</a:t>
                 </a:r>
               </a:p>

--- a/01_BGR-300/Figures.pptx
+++ b/01_BGR-300/Figures.pptx
@@ -9,6 +9,8 @@
     <p:sldId id="259" r:id="rId3"/>
     <p:sldId id="257" r:id="rId4"/>
     <p:sldId id="258" r:id="rId5"/>
+    <p:sldId id="260" r:id="rId6"/>
+    <p:sldId id="261" r:id="rId7"/>
   </p:sldIdLst>
   <p:sldSz cx="9144000" cy="6858000" type="screen4x3"/>
   <p:notesSz cx="6858000" cy="9144000"/>
@@ -307,7 +309,7 @@
           <a:p>
             <a:fld id="{AA309A6D-C09C-4548-B29A-6CF363A7E532}" type="datetimeFigureOut">
               <a:rPr lang="fr-FR" smtClean="0"/>
-              <a:t>14/05/2024</a:t>
+              <a:t>17/05/2024</a:t>
             </a:fld>
             <a:endParaRPr lang="fr-BE"/>
           </a:p>
@@ -472,7 +474,7 @@
           <a:p>
             <a:fld id="{AA309A6D-C09C-4548-B29A-6CF363A7E532}" type="datetimeFigureOut">
               <a:rPr lang="fr-FR" smtClean="0"/>
-              <a:t>14/05/2024</a:t>
+              <a:t>17/05/2024</a:t>
             </a:fld>
             <a:endParaRPr lang="fr-BE"/>
           </a:p>
@@ -647,7 +649,7 @@
           <a:p>
             <a:fld id="{AA309A6D-C09C-4548-B29A-6CF363A7E532}" type="datetimeFigureOut">
               <a:rPr lang="fr-FR" smtClean="0"/>
-              <a:t>14/05/2024</a:t>
+              <a:t>17/05/2024</a:t>
             </a:fld>
             <a:endParaRPr lang="fr-BE"/>
           </a:p>
@@ -812,7 +814,7 @@
           <a:p>
             <a:fld id="{AA309A6D-C09C-4548-B29A-6CF363A7E532}" type="datetimeFigureOut">
               <a:rPr lang="fr-FR" smtClean="0"/>
-              <a:t>14/05/2024</a:t>
+              <a:t>17/05/2024</a:t>
             </a:fld>
             <a:endParaRPr lang="fr-BE"/>
           </a:p>
@@ -1053,7 +1055,7 @@
           <a:p>
             <a:fld id="{AA309A6D-C09C-4548-B29A-6CF363A7E532}" type="datetimeFigureOut">
               <a:rPr lang="fr-FR" smtClean="0"/>
-              <a:t>14/05/2024</a:t>
+              <a:t>17/05/2024</a:t>
             </a:fld>
             <a:endParaRPr lang="fr-BE"/>
           </a:p>
@@ -1336,7 +1338,7 @@
           <a:p>
             <a:fld id="{AA309A6D-C09C-4548-B29A-6CF363A7E532}" type="datetimeFigureOut">
               <a:rPr lang="fr-FR" smtClean="0"/>
-              <a:t>14/05/2024</a:t>
+              <a:t>17/05/2024</a:t>
             </a:fld>
             <a:endParaRPr lang="fr-BE"/>
           </a:p>
@@ -1753,7 +1755,7 @@
           <a:p>
             <a:fld id="{AA309A6D-C09C-4548-B29A-6CF363A7E532}" type="datetimeFigureOut">
               <a:rPr lang="fr-FR" smtClean="0"/>
-              <a:t>14/05/2024</a:t>
+              <a:t>17/05/2024</a:t>
             </a:fld>
             <a:endParaRPr lang="fr-BE"/>
           </a:p>
@@ -1866,7 +1868,7 @@
           <a:p>
             <a:fld id="{AA309A6D-C09C-4548-B29A-6CF363A7E532}" type="datetimeFigureOut">
               <a:rPr lang="fr-FR" smtClean="0"/>
-              <a:t>14/05/2024</a:t>
+              <a:t>17/05/2024</a:t>
             </a:fld>
             <a:endParaRPr lang="fr-BE"/>
           </a:p>
@@ -1956,7 +1958,7 @@
           <a:p>
             <a:fld id="{AA309A6D-C09C-4548-B29A-6CF363A7E532}" type="datetimeFigureOut">
               <a:rPr lang="fr-FR" smtClean="0"/>
-              <a:t>14/05/2024</a:t>
+              <a:t>17/05/2024</a:t>
             </a:fld>
             <a:endParaRPr lang="fr-BE"/>
           </a:p>
@@ -2228,7 +2230,7 @@
           <a:p>
             <a:fld id="{AA309A6D-C09C-4548-B29A-6CF363A7E532}" type="datetimeFigureOut">
               <a:rPr lang="fr-FR" smtClean="0"/>
-              <a:t>14/05/2024</a:t>
+              <a:t>17/05/2024</a:t>
             </a:fld>
             <a:endParaRPr lang="fr-BE"/>
           </a:p>
@@ -2476,7 +2478,7 @@
           <a:p>
             <a:fld id="{AA309A6D-C09C-4548-B29A-6CF363A7E532}" type="datetimeFigureOut">
               <a:rPr lang="fr-FR" smtClean="0"/>
-              <a:t>14/05/2024</a:t>
+              <a:t>17/05/2024</a:t>
             </a:fld>
             <a:endParaRPr lang="fr-BE"/>
           </a:p>
@@ -2684,7 +2686,7 @@
           <a:p>
             <a:fld id="{AA309A6D-C09C-4548-B29A-6CF363A7E532}" type="datetimeFigureOut">
               <a:rPr lang="fr-FR" smtClean="0"/>
-              <a:t>14/05/2024</a:t>
+              <a:t>17/05/2024</a:t>
             </a:fld>
             <a:endParaRPr lang="fr-BE"/>
           </a:p>
@@ -4389,6 +4391,1219 @@
 </p:sld>
 </file>
 
+<file path=ppt/slides/slide5.xml><?xml version="1.0" encoding="utf-8"?>
+<p:sld xmlns:a="http://schemas.openxmlformats.org/drawingml/2006/main" xmlns:r="http://schemas.openxmlformats.org/officeDocument/2006/relationships" xmlns:p="http://schemas.openxmlformats.org/presentationml/2006/main">
+  <p:cSld>
+    <p:spTree>
+      <p:nvGrpSpPr>
+        <p:cNvPr id="1" name=""/>
+        <p:cNvGrpSpPr/>
+        <p:nvPr/>
+      </p:nvGrpSpPr>
+      <p:grpSpPr>
+        <a:xfrm>
+          <a:off x="0" y="0"/>
+          <a:ext cx="0" cy="0"/>
+          <a:chOff x="0" y="0"/>
+          <a:chExt cx="0" cy="0"/>
+        </a:xfrm>
+      </p:grpSpPr>
+      <p:pic>
+        <p:nvPicPr>
+          <p:cNvPr id="5" name="Image 4">
+            <a:extLst>
+              <a:ext uri="{FF2B5EF4-FFF2-40B4-BE49-F238E27FC236}">
+                <a16:creationId xmlns:a16="http://schemas.microsoft.com/office/drawing/2014/main" id="{F3AEA2D2-49F1-45FD-96B0-4FC8413CAD86}"/>
+              </a:ext>
+            </a:extLst>
+          </p:cNvPr>
+          <p:cNvPicPr>
+            <a:picLocks noChangeAspect="1"/>
+          </p:cNvPicPr>
+          <p:nvPr/>
+        </p:nvPicPr>
+        <p:blipFill rotWithShape="1">
+          <a:blip r:embed="rId2"/>
+          <a:srcRect l="18112" t="1474"/>
+          <a:stretch/>
+        </p:blipFill>
+        <p:spPr>
+          <a:xfrm>
+            <a:off x="683568" y="1022302"/>
+            <a:ext cx="7487816" cy="4813396"/>
+          </a:xfrm>
+          <a:prstGeom prst="rect">
+            <a:avLst/>
+          </a:prstGeom>
+        </p:spPr>
+      </p:pic>
+      <p:sp>
+        <p:nvSpPr>
+          <p:cNvPr id="6" name="Rectangle 5">
+            <a:extLst>
+              <a:ext uri="{FF2B5EF4-FFF2-40B4-BE49-F238E27FC236}">
+                <a16:creationId xmlns:a16="http://schemas.microsoft.com/office/drawing/2014/main" id="{BC2E9CF9-4765-4765-B934-B1624E48BD73}"/>
+              </a:ext>
+            </a:extLst>
+          </p:cNvPr>
+          <p:cNvSpPr/>
+          <p:nvPr/>
+        </p:nvSpPr>
+        <p:spPr>
+          <a:xfrm>
+            <a:off x="5796136" y="1022302"/>
+            <a:ext cx="432048" cy="390474"/>
+          </a:xfrm>
+          <a:prstGeom prst="rect">
+            <a:avLst/>
+          </a:prstGeom>
+          <a:noFill/>
+          <a:ln w="38100">
+            <a:solidFill>
+              <a:srgbClr val="00B0F0"/>
+            </a:solidFill>
+            <a:prstDash val="sysDash"/>
+          </a:ln>
+        </p:spPr>
+        <p:style>
+          <a:lnRef idx="2">
+            <a:schemeClr val="accent1">
+              <a:shade val="50000"/>
+            </a:schemeClr>
+          </a:lnRef>
+          <a:fillRef idx="1">
+            <a:schemeClr val="accent1"/>
+          </a:fillRef>
+          <a:effectRef idx="0">
+            <a:schemeClr val="accent1"/>
+          </a:effectRef>
+          <a:fontRef idx="minor">
+            <a:schemeClr val="lt1"/>
+          </a:fontRef>
+        </p:style>
+        <p:txBody>
+          <a:bodyPr rtlCol="0" anchor="ctr"/>
+          <a:lstStyle/>
+          <a:p>
+            <a:pPr algn="ctr"/>
+            <a:endParaRPr lang="fr-FR"/>
+          </a:p>
+        </p:txBody>
+      </p:sp>
+      <p:sp>
+        <p:nvSpPr>
+          <p:cNvPr id="7" name="Rectangle 6">
+            <a:extLst>
+              <a:ext uri="{FF2B5EF4-FFF2-40B4-BE49-F238E27FC236}">
+                <a16:creationId xmlns:a16="http://schemas.microsoft.com/office/drawing/2014/main" id="{0B961F88-5211-4B70-8F2F-AD6F073E015D}"/>
+              </a:ext>
+            </a:extLst>
+          </p:cNvPr>
+          <p:cNvSpPr/>
+          <p:nvPr/>
+        </p:nvSpPr>
+        <p:spPr>
+          <a:xfrm>
+            <a:off x="756592" y="3038526"/>
+            <a:ext cx="5759624" cy="2797172"/>
+          </a:xfrm>
+          <a:prstGeom prst="rect">
+            <a:avLst/>
+          </a:prstGeom>
+          <a:noFill/>
+          <a:ln w="38100">
+            <a:solidFill>
+              <a:srgbClr val="00B0F0"/>
+            </a:solidFill>
+            <a:prstDash val="sysDash"/>
+          </a:ln>
+        </p:spPr>
+        <p:style>
+          <a:lnRef idx="2">
+            <a:schemeClr val="accent1">
+              <a:shade val="50000"/>
+            </a:schemeClr>
+          </a:lnRef>
+          <a:fillRef idx="1">
+            <a:schemeClr val="accent1"/>
+          </a:fillRef>
+          <a:effectRef idx="0">
+            <a:schemeClr val="accent1"/>
+          </a:effectRef>
+          <a:fontRef idx="minor">
+            <a:schemeClr val="lt1"/>
+          </a:fontRef>
+        </p:style>
+        <p:txBody>
+          <a:bodyPr rtlCol="0" anchor="ctr"/>
+          <a:lstStyle/>
+          <a:p>
+            <a:pPr algn="ctr"/>
+            <a:endParaRPr lang="fr-FR"/>
+          </a:p>
+        </p:txBody>
+      </p:sp>
+      <p:cxnSp>
+        <p:nvCxnSpPr>
+          <p:cNvPr id="8" name="Connecteur droit 7">
+            <a:extLst>
+              <a:ext uri="{FF2B5EF4-FFF2-40B4-BE49-F238E27FC236}">
+                <a16:creationId xmlns:a16="http://schemas.microsoft.com/office/drawing/2014/main" id="{0E9B19DD-7F94-4B20-8A95-CF99128C10C1}"/>
+              </a:ext>
+            </a:extLst>
+          </p:cNvPr>
+          <p:cNvCxnSpPr>
+            <a:cxnSpLocks/>
+          </p:cNvCxnSpPr>
+          <p:nvPr/>
+        </p:nvCxnSpPr>
+        <p:spPr>
+          <a:xfrm flipH="1">
+            <a:off x="756592" y="1022302"/>
+            <a:ext cx="5039544" cy="2016224"/>
+          </a:xfrm>
+          <a:prstGeom prst="line">
+            <a:avLst/>
+          </a:prstGeom>
+          <a:noFill/>
+          <a:ln w="38100">
+            <a:solidFill>
+              <a:srgbClr val="00B0F0"/>
+            </a:solidFill>
+            <a:prstDash val="sysDash"/>
+          </a:ln>
+        </p:spPr>
+        <p:style>
+          <a:lnRef idx="2">
+            <a:schemeClr val="accent1">
+              <a:shade val="50000"/>
+            </a:schemeClr>
+          </a:lnRef>
+          <a:fillRef idx="1">
+            <a:schemeClr val="accent1"/>
+          </a:fillRef>
+          <a:effectRef idx="0">
+            <a:schemeClr val="accent1"/>
+          </a:effectRef>
+          <a:fontRef idx="minor">
+            <a:schemeClr val="lt1"/>
+          </a:fontRef>
+        </p:style>
+      </p:cxnSp>
+      <p:cxnSp>
+        <p:nvCxnSpPr>
+          <p:cNvPr id="11" name="Connecteur droit 10">
+            <a:extLst>
+              <a:ext uri="{FF2B5EF4-FFF2-40B4-BE49-F238E27FC236}">
+                <a16:creationId xmlns:a16="http://schemas.microsoft.com/office/drawing/2014/main" id="{AB7AA6D8-E057-4791-BDF8-A3127CCFE4FC}"/>
+              </a:ext>
+            </a:extLst>
+          </p:cNvPr>
+          <p:cNvCxnSpPr>
+            <a:cxnSpLocks/>
+          </p:cNvCxnSpPr>
+          <p:nvPr/>
+        </p:nvCxnSpPr>
+        <p:spPr>
+          <a:xfrm>
+            <a:off x="6228184" y="1022302"/>
+            <a:ext cx="288032" cy="2016224"/>
+          </a:xfrm>
+          <a:prstGeom prst="line">
+            <a:avLst/>
+          </a:prstGeom>
+          <a:noFill/>
+          <a:ln w="38100">
+            <a:solidFill>
+              <a:srgbClr val="00B0F0"/>
+            </a:solidFill>
+            <a:prstDash val="sysDash"/>
+          </a:ln>
+        </p:spPr>
+        <p:style>
+          <a:lnRef idx="2">
+            <a:schemeClr val="accent1">
+              <a:shade val="50000"/>
+            </a:schemeClr>
+          </a:lnRef>
+          <a:fillRef idx="1">
+            <a:schemeClr val="accent1"/>
+          </a:fillRef>
+          <a:effectRef idx="0">
+            <a:schemeClr val="accent1"/>
+          </a:effectRef>
+          <a:fontRef idx="minor">
+            <a:schemeClr val="lt1"/>
+          </a:fontRef>
+        </p:style>
+      </p:cxnSp>
+      <p:cxnSp>
+        <p:nvCxnSpPr>
+          <p:cNvPr id="14" name="Connecteur droit 13">
+            <a:extLst>
+              <a:ext uri="{FF2B5EF4-FFF2-40B4-BE49-F238E27FC236}">
+                <a16:creationId xmlns:a16="http://schemas.microsoft.com/office/drawing/2014/main" id="{397C54FD-B3BF-49B9-B64D-E259D6A89E3F}"/>
+              </a:ext>
+            </a:extLst>
+          </p:cNvPr>
+          <p:cNvCxnSpPr>
+            <a:cxnSpLocks/>
+          </p:cNvCxnSpPr>
+          <p:nvPr/>
+        </p:nvCxnSpPr>
+        <p:spPr>
+          <a:xfrm flipH="1">
+            <a:off x="3943732" y="1412776"/>
+            <a:ext cx="1852404" cy="1625750"/>
+          </a:xfrm>
+          <a:prstGeom prst="line">
+            <a:avLst/>
+          </a:prstGeom>
+          <a:noFill/>
+          <a:ln w="38100">
+            <a:solidFill>
+              <a:srgbClr val="00B0F0"/>
+            </a:solidFill>
+            <a:prstDash val="sysDash"/>
+          </a:ln>
+        </p:spPr>
+        <p:style>
+          <a:lnRef idx="2">
+            <a:schemeClr val="accent1">
+              <a:shade val="50000"/>
+            </a:schemeClr>
+          </a:lnRef>
+          <a:fillRef idx="1">
+            <a:schemeClr val="accent1"/>
+          </a:fillRef>
+          <a:effectRef idx="0">
+            <a:schemeClr val="accent1"/>
+          </a:effectRef>
+          <a:fontRef idx="minor">
+            <a:schemeClr val="lt1"/>
+          </a:fontRef>
+        </p:style>
+      </p:cxnSp>
+      <p:cxnSp>
+        <p:nvCxnSpPr>
+          <p:cNvPr id="18" name="Connecteur droit 17">
+            <a:extLst>
+              <a:ext uri="{FF2B5EF4-FFF2-40B4-BE49-F238E27FC236}">
+                <a16:creationId xmlns:a16="http://schemas.microsoft.com/office/drawing/2014/main" id="{E1B8EF3A-1147-4A3C-954C-D8390E16A6AD}"/>
+              </a:ext>
+            </a:extLst>
+          </p:cNvPr>
+          <p:cNvCxnSpPr>
+            <a:cxnSpLocks/>
+          </p:cNvCxnSpPr>
+          <p:nvPr/>
+        </p:nvCxnSpPr>
+        <p:spPr>
+          <a:xfrm>
+            <a:off x="6228184" y="1424169"/>
+            <a:ext cx="105403" cy="1614357"/>
+          </a:xfrm>
+          <a:prstGeom prst="line">
+            <a:avLst/>
+          </a:prstGeom>
+          <a:noFill/>
+          <a:ln w="38100">
+            <a:solidFill>
+              <a:srgbClr val="00B0F0"/>
+            </a:solidFill>
+            <a:prstDash val="sysDash"/>
+          </a:ln>
+        </p:spPr>
+        <p:style>
+          <a:lnRef idx="2">
+            <a:schemeClr val="accent1">
+              <a:shade val="50000"/>
+            </a:schemeClr>
+          </a:lnRef>
+          <a:fillRef idx="1">
+            <a:schemeClr val="accent1"/>
+          </a:fillRef>
+          <a:effectRef idx="0">
+            <a:schemeClr val="accent1"/>
+          </a:effectRef>
+          <a:fontRef idx="minor">
+            <a:schemeClr val="lt1"/>
+          </a:fontRef>
+        </p:style>
+      </p:cxnSp>
+      <p:sp>
+        <p:nvSpPr>
+          <p:cNvPr id="23" name="Rectangle 22">
+            <a:extLst>
+              <a:ext uri="{FF2B5EF4-FFF2-40B4-BE49-F238E27FC236}">
+                <a16:creationId xmlns:a16="http://schemas.microsoft.com/office/drawing/2014/main" id="{AA7A2B9C-9969-42FB-8390-1EACDD480160}"/>
+              </a:ext>
+            </a:extLst>
+          </p:cNvPr>
+          <p:cNvSpPr/>
+          <p:nvPr/>
+        </p:nvSpPr>
+        <p:spPr>
+          <a:xfrm>
+            <a:off x="962991" y="3819475"/>
+            <a:ext cx="2375248" cy="1068936"/>
+          </a:xfrm>
+          <a:prstGeom prst="rect">
+            <a:avLst/>
+          </a:prstGeom>
+          <a:noFill/>
+          <a:ln w="38100">
+            <a:solidFill>
+              <a:srgbClr val="00B0F0"/>
+            </a:solidFill>
+            <a:prstDash val="solid"/>
+          </a:ln>
+        </p:spPr>
+        <p:style>
+          <a:lnRef idx="2">
+            <a:schemeClr val="accent1">
+              <a:shade val="50000"/>
+            </a:schemeClr>
+          </a:lnRef>
+          <a:fillRef idx="1">
+            <a:schemeClr val="accent1"/>
+          </a:fillRef>
+          <a:effectRef idx="0">
+            <a:schemeClr val="accent1"/>
+          </a:effectRef>
+          <a:fontRef idx="minor">
+            <a:schemeClr val="lt1"/>
+          </a:fontRef>
+        </p:style>
+        <p:txBody>
+          <a:bodyPr rtlCol="0" anchor="ctr"/>
+          <a:lstStyle/>
+          <a:p>
+            <a:pPr algn="ctr"/>
+            <a:endParaRPr lang="fr-FR"/>
+          </a:p>
+        </p:txBody>
+      </p:sp>
+      <p:sp>
+        <p:nvSpPr>
+          <p:cNvPr id="24" name="Ellipse 23">
+            <a:extLst>
+              <a:ext uri="{FF2B5EF4-FFF2-40B4-BE49-F238E27FC236}">
+                <a16:creationId xmlns:a16="http://schemas.microsoft.com/office/drawing/2014/main" id="{E259002A-78AF-4268-868C-D9559B2D0B74}"/>
+              </a:ext>
+            </a:extLst>
+          </p:cNvPr>
+          <p:cNvSpPr/>
+          <p:nvPr/>
+        </p:nvSpPr>
+        <p:spPr>
+          <a:xfrm>
+            <a:off x="5832140" y="601453"/>
+            <a:ext cx="360040" cy="360040"/>
+          </a:xfrm>
+          <a:prstGeom prst="ellipse">
+            <a:avLst/>
+          </a:prstGeom>
+          <a:noFill/>
+          <a:ln w="28575">
+            <a:solidFill>
+              <a:srgbClr val="00B0F0"/>
+            </a:solidFill>
+          </a:ln>
+        </p:spPr>
+        <p:style>
+          <a:lnRef idx="2">
+            <a:schemeClr val="accent1">
+              <a:shade val="50000"/>
+            </a:schemeClr>
+          </a:lnRef>
+          <a:fillRef idx="1">
+            <a:schemeClr val="accent1"/>
+          </a:fillRef>
+          <a:effectRef idx="0">
+            <a:schemeClr val="accent1"/>
+          </a:effectRef>
+          <a:fontRef idx="minor">
+            <a:schemeClr val="lt1"/>
+          </a:fontRef>
+        </p:style>
+        <p:txBody>
+          <a:bodyPr lIns="0" tIns="0" rIns="0" bIns="0" rtlCol="0" anchor="ctr"/>
+          <a:lstStyle/>
+          <a:p>
+            <a:pPr algn="ctr"/>
+            <a:r>
+              <a:rPr lang="fr-FR" sz="1600" b="1" dirty="0">
+                <a:solidFill>
+                  <a:srgbClr val="00B0F0"/>
+                </a:solidFill>
+              </a:rPr>
+              <a:t>1</a:t>
+            </a:r>
+          </a:p>
+        </p:txBody>
+      </p:sp>
+      <p:sp>
+        <p:nvSpPr>
+          <p:cNvPr id="25" name="Ellipse 24">
+            <a:extLst>
+              <a:ext uri="{FF2B5EF4-FFF2-40B4-BE49-F238E27FC236}">
+                <a16:creationId xmlns:a16="http://schemas.microsoft.com/office/drawing/2014/main" id="{3F557BD7-A7C8-4260-908D-ED2108A65BF4}"/>
+              </a:ext>
+            </a:extLst>
+          </p:cNvPr>
+          <p:cNvSpPr/>
+          <p:nvPr/>
+        </p:nvSpPr>
+        <p:spPr>
+          <a:xfrm>
+            <a:off x="1970595" y="5022259"/>
+            <a:ext cx="360040" cy="360040"/>
+          </a:xfrm>
+          <a:prstGeom prst="ellipse">
+            <a:avLst/>
+          </a:prstGeom>
+          <a:noFill/>
+          <a:ln w="28575">
+            <a:solidFill>
+              <a:srgbClr val="00B0F0"/>
+            </a:solidFill>
+          </a:ln>
+        </p:spPr>
+        <p:style>
+          <a:lnRef idx="2">
+            <a:schemeClr val="accent1">
+              <a:shade val="50000"/>
+            </a:schemeClr>
+          </a:lnRef>
+          <a:fillRef idx="1">
+            <a:schemeClr val="accent1"/>
+          </a:fillRef>
+          <a:effectRef idx="0">
+            <a:schemeClr val="accent1"/>
+          </a:effectRef>
+          <a:fontRef idx="minor">
+            <a:schemeClr val="lt1"/>
+          </a:fontRef>
+        </p:style>
+        <p:txBody>
+          <a:bodyPr lIns="0" tIns="0" rIns="0" bIns="0" rtlCol="0" anchor="ctr"/>
+          <a:lstStyle/>
+          <a:p>
+            <a:pPr algn="ctr"/>
+            <a:r>
+              <a:rPr lang="fr-FR" sz="1600" b="1" dirty="0">
+                <a:solidFill>
+                  <a:srgbClr val="00B0F0"/>
+                </a:solidFill>
+              </a:rPr>
+              <a:t>2</a:t>
+            </a:r>
+          </a:p>
+        </p:txBody>
+      </p:sp>
+      <p:sp>
+        <p:nvSpPr>
+          <p:cNvPr id="26" name="Ellipse 25">
+            <a:extLst>
+              <a:ext uri="{FF2B5EF4-FFF2-40B4-BE49-F238E27FC236}">
+                <a16:creationId xmlns:a16="http://schemas.microsoft.com/office/drawing/2014/main" id="{4D140DEB-2F09-45F8-B719-E7C5AF3C3F74}"/>
+              </a:ext>
+            </a:extLst>
+          </p:cNvPr>
+          <p:cNvSpPr/>
+          <p:nvPr/>
+        </p:nvSpPr>
+        <p:spPr>
+          <a:xfrm>
+            <a:off x="6038292" y="3069035"/>
+            <a:ext cx="360040" cy="360040"/>
+          </a:xfrm>
+          <a:prstGeom prst="ellipse">
+            <a:avLst/>
+          </a:prstGeom>
+          <a:noFill/>
+          <a:ln w="28575">
+            <a:solidFill>
+              <a:srgbClr val="00B0F0"/>
+            </a:solidFill>
+          </a:ln>
+        </p:spPr>
+        <p:style>
+          <a:lnRef idx="2">
+            <a:schemeClr val="accent1">
+              <a:shade val="50000"/>
+            </a:schemeClr>
+          </a:lnRef>
+          <a:fillRef idx="1">
+            <a:schemeClr val="accent1"/>
+          </a:fillRef>
+          <a:effectRef idx="0">
+            <a:schemeClr val="accent1"/>
+          </a:effectRef>
+          <a:fontRef idx="minor">
+            <a:schemeClr val="lt1"/>
+          </a:fontRef>
+        </p:style>
+        <p:txBody>
+          <a:bodyPr lIns="0" tIns="0" rIns="0" bIns="0" rtlCol="0" anchor="ctr"/>
+          <a:lstStyle/>
+          <a:p>
+            <a:pPr algn="ctr"/>
+            <a:r>
+              <a:rPr lang="fr-FR" sz="1600" b="1" dirty="0">
+                <a:solidFill>
+                  <a:srgbClr val="00B0F0"/>
+                </a:solidFill>
+              </a:rPr>
+              <a:t>3</a:t>
+            </a:r>
+          </a:p>
+        </p:txBody>
+      </p:sp>
+      <p:sp>
+        <p:nvSpPr>
+          <p:cNvPr id="27" name="Ellipse 26">
+            <a:extLst>
+              <a:ext uri="{FF2B5EF4-FFF2-40B4-BE49-F238E27FC236}">
+                <a16:creationId xmlns:a16="http://schemas.microsoft.com/office/drawing/2014/main" id="{3C1E4A1A-F402-4755-9678-8B09A5320EA2}"/>
+              </a:ext>
+            </a:extLst>
+          </p:cNvPr>
+          <p:cNvSpPr/>
+          <p:nvPr/>
+        </p:nvSpPr>
+        <p:spPr>
+          <a:xfrm>
+            <a:off x="5472739" y="5382299"/>
+            <a:ext cx="360040" cy="360040"/>
+          </a:xfrm>
+          <a:prstGeom prst="ellipse">
+            <a:avLst/>
+          </a:prstGeom>
+          <a:noFill/>
+          <a:ln w="28575">
+            <a:solidFill>
+              <a:srgbClr val="00B0F0"/>
+            </a:solidFill>
+          </a:ln>
+        </p:spPr>
+        <p:style>
+          <a:lnRef idx="2">
+            <a:schemeClr val="accent1">
+              <a:shade val="50000"/>
+            </a:schemeClr>
+          </a:lnRef>
+          <a:fillRef idx="1">
+            <a:schemeClr val="accent1"/>
+          </a:fillRef>
+          <a:effectRef idx="0">
+            <a:schemeClr val="accent1"/>
+          </a:effectRef>
+          <a:fontRef idx="minor">
+            <a:schemeClr val="lt1"/>
+          </a:fontRef>
+        </p:style>
+        <p:txBody>
+          <a:bodyPr lIns="0" tIns="0" rIns="0" bIns="0" rtlCol="0" anchor="ctr"/>
+          <a:lstStyle/>
+          <a:p>
+            <a:pPr algn="ctr"/>
+            <a:r>
+              <a:rPr lang="fr-FR" sz="1600" b="1" dirty="0">
+                <a:solidFill>
+                  <a:srgbClr val="00B0F0"/>
+                </a:solidFill>
+              </a:rPr>
+              <a:t>4</a:t>
+            </a:r>
+          </a:p>
+        </p:txBody>
+      </p:sp>
+      <p:sp>
+        <p:nvSpPr>
+          <p:cNvPr id="28" name="Rectangle 27">
+            <a:extLst>
+              <a:ext uri="{FF2B5EF4-FFF2-40B4-BE49-F238E27FC236}">
+                <a16:creationId xmlns:a16="http://schemas.microsoft.com/office/drawing/2014/main" id="{613D76FE-2C27-49B8-B7E6-FCF537B899D1}"/>
+              </a:ext>
+            </a:extLst>
+          </p:cNvPr>
+          <p:cNvSpPr/>
+          <p:nvPr/>
+        </p:nvSpPr>
+        <p:spPr>
+          <a:xfrm>
+            <a:off x="6022036" y="3540582"/>
+            <a:ext cx="386085" cy="360040"/>
+          </a:xfrm>
+          <a:prstGeom prst="rect">
+            <a:avLst/>
+          </a:prstGeom>
+          <a:noFill/>
+          <a:ln w="38100">
+            <a:solidFill>
+              <a:srgbClr val="00B0F0"/>
+            </a:solidFill>
+            <a:prstDash val="solid"/>
+          </a:ln>
+        </p:spPr>
+        <p:style>
+          <a:lnRef idx="2">
+            <a:schemeClr val="accent1">
+              <a:shade val="50000"/>
+            </a:schemeClr>
+          </a:lnRef>
+          <a:fillRef idx="1">
+            <a:schemeClr val="accent1"/>
+          </a:fillRef>
+          <a:effectRef idx="0">
+            <a:schemeClr val="accent1"/>
+          </a:effectRef>
+          <a:fontRef idx="minor">
+            <a:schemeClr val="lt1"/>
+          </a:fontRef>
+        </p:style>
+        <p:txBody>
+          <a:bodyPr rtlCol="0" anchor="ctr"/>
+          <a:lstStyle/>
+          <a:p>
+            <a:pPr algn="ctr"/>
+            <a:endParaRPr lang="fr-FR"/>
+          </a:p>
+        </p:txBody>
+      </p:sp>
+      <p:sp>
+        <p:nvSpPr>
+          <p:cNvPr id="29" name="Rectangle 28">
+            <a:extLst>
+              <a:ext uri="{FF2B5EF4-FFF2-40B4-BE49-F238E27FC236}">
+                <a16:creationId xmlns:a16="http://schemas.microsoft.com/office/drawing/2014/main" id="{99EA44ED-DE8A-4CD8-A0B6-7AF216C1FFBE}"/>
+              </a:ext>
+            </a:extLst>
+          </p:cNvPr>
+          <p:cNvSpPr/>
+          <p:nvPr/>
+        </p:nvSpPr>
+        <p:spPr>
+          <a:xfrm>
+            <a:off x="6035141" y="5382299"/>
+            <a:ext cx="386085" cy="360040"/>
+          </a:xfrm>
+          <a:prstGeom prst="rect">
+            <a:avLst/>
+          </a:prstGeom>
+          <a:noFill/>
+          <a:ln w="38100">
+            <a:solidFill>
+              <a:srgbClr val="00B0F0"/>
+            </a:solidFill>
+            <a:prstDash val="solid"/>
+          </a:ln>
+        </p:spPr>
+        <p:style>
+          <a:lnRef idx="2">
+            <a:schemeClr val="accent1">
+              <a:shade val="50000"/>
+            </a:schemeClr>
+          </a:lnRef>
+          <a:fillRef idx="1">
+            <a:schemeClr val="accent1"/>
+          </a:fillRef>
+          <a:effectRef idx="0">
+            <a:schemeClr val="accent1"/>
+          </a:effectRef>
+          <a:fontRef idx="minor">
+            <a:schemeClr val="lt1"/>
+          </a:fontRef>
+        </p:style>
+        <p:txBody>
+          <a:bodyPr rtlCol="0" anchor="ctr"/>
+          <a:lstStyle/>
+          <a:p>
+            <a:pPr algn="ctr"/>
+            <a:endParaRPr lang="fr-FR"/>
+          </a:p>
+        </p:txBody>
+      </p:sp>
+    </p:spTree>
+    <p:extLst>
+      <p:ext uri="{BB962C8B-B14F-4D97-AF65-F5344CB8AC3E}">
+        <p14:creationId xmlns:p14="http://schemas.microsoft.com/office/powerpoint/2010/main" val="1206794195"/>
+      </p:ext>
+    </p:extLst>
+  </p:cSld>
+  <p:clrMapOvr>
+    <a:masterClrMapping/>
+  </p:clrMapOvr>
+</p:sld>
+</file>
+
+<file path=ppt/slides/slide6.xml><?xml version="1.0" encoding="utf-8"?>
+<p:sld xmlns:a="http://schemas.openxmlformats.org/drawingml/2006/main" xmlns:r="http://schemas.openxmlformats.org/officeDocument/2006/relationships" xmlns:p="http://schemas.openxmlformats.org/presentationml/2006/main">
+  <p:cSld>
+    <p:spTree>
+      <p:nvGrpSpPr>
+        <p:cNvPr id="1" name=""/>
+        <p:cNvGrpSpPr/>
+        <p:nvPr/>
+      </p:nvGrpSpPr>
+      <p:grpSpPr>
+        <a:xfrm>
+          <a:off x="0" y="0"/>
+          <a:ext cx="0" cy="0"/>
+          <a:chOff x="0" y="0"/>
+          <a:chExt cx="0" cy="0"/>
+        </a:xfrm>
+      </p:grpSpPr>
+      <p:pic>
+        <p:nvPicPr>
+          <p:cNvPr id="5" name="Image 4">
+            <a:extLst>
+              <a:ext uri="{FF2B5EF4-FFF2-40B4-BE49-F238E27FC236}">
+                <a16:creationId xmlns:a16="http://schemas.microsoft.com/office/drawing/2014/main" id="{30E08F85-4C87-4805-9966-49B5A2565831}"/>
+              </a:ext>
+            </a:extLst>
+          </p:cNvPr>
+          <p:cNvPicPr>
+            <a:picLocks noChangeAspect="1"/>
+          </p:cNvPicPr>
+          <p:nvPr/>
+        </p:nvPicPr>
+        <p:blipFill rotWithShape="1">
+          <a:blip r:embed="rId2"/>
+          <a:srcRect l="3007" t="-22" r="29003"/>
+          <a:stretch/>
+        </p:blipFill>
+        <p:spPr>
+          <a:xfrm>
+            <a:off x="1187624" y="836712"/>
+            <a:ext cx="4896544" cy="5183449"/>
+          </a:xfrm>
+          <a:prstGeom prst="rect">
+            <a:avLst/>
+          </a:prstGeom>
+        </p:spPr>
+      </p:pic>
+      <p:sp>
+        <p:nvSpPr>
+          <p:cNvPr id="6" name="Rectangle 5">
+            <a:extLst>
+              <a:ext uri="{FF2B5EF4-FFF2-40B4-BE49-F238E27FC236}">
+                <a16:creationId xmlns:a16="http://schemas.microsoft.com/office/drawing/2014/main" id="{E6B4D4A6-8BB9-486A-95BB-B93D82A3D689}"/>
+              </a:ext>
+            </a:extLst>
+          </p:cNvPr>
+          <p:cNvSpPr/>
+          <p:nvPr/>
+        </p:nvSpPr>
+        <p:spPr>
+          <a:xfrm>
+            <a:off x="5519175" y="915757"/>
+            <a:ext cx="348969" cy="353003"/>
+          </a:xfrm>
+          <a:prstGeom prst="rect">
+            <a:avLst/>
+          </a:prstGeom>
+          <a:noFill/>
+          <a:ln w="38100">
+            <a:solidFill>
+              <a:srgbClr val="00B050"/>
+            </a:solidFill>
+            <a:prstDash val="sysDash"/>
+          </a:ln>
+        </p:spPr>
+        <p:style>
+          <a:lnRef idx="2">
+            <a:schemeClr val="accent1">
+              <a:shade val="50000"/>
+            </a:schemeClr>
+          </a:lnRef>
+          <a:fillRef idx="1">
+            <a:schemeClr val="accent1"/>
+          </a:fillRef>
+          <a:effectRef idx="0">
+            <a:schemeClr val="accent1"/>
+          </a:effectRef>
+          <a:fontRef idx="minor">
+            <a:schemeClr val="lt1"/>
+          </a:fontRef>
+        </p:style>
+        <p:txBody>
+          <a:bodyPr rtlCol="0" anchor="ctr"/>
+          <a:lstStyle/>
+          <a:p>
+            <a:pPr algn="ctr"/>
+            <a:endParaRPr lang="fr-FR"/>
+          </a:p>
+        </p:txBody>
+      </p:sp>
+      <p:cxnSp>
+        <p:nvCxnSpPr>
+          <p:cNvPr id="7" name="Connecteur droit 6">
+            <a:extLst>
+              <a:ext uri="{FF2B5EF4-FFF2-40B4-BE49-F238E27FC236}">
+                <a16:creationId xmlns:a16="http://schemas.microsoft.com/office/drawing/2014/main" id="{47C7E2CC-3523-4B10-9A56-7150D7EC1B7D}"/>
+              </a:ext>
+            </a:extLst>
+          </p:cNvPr>
+          <p:cNvCxnSpPr>
+            <a:cxnSpLocks/>
+          </p:cNvCxnSpPr>
+          <p:nvPr/>
+        </p:nvCxnSpPr>
+        <p:spPr>
+          <a:xfrm flipH="1">
+            <a:off x="4087809" y="1268760"/>
+            <a:ext cx="1431367" cy="1570106"/>
+          </a:xfrm>
+          <a:prstGeom prst="line">
+            <a:avLst/>
+          </a:prstGeom>
+          <a:noFill/>
+          <a:ln w="38100">
+            <a:solidFill>
+              <a:srgbClr val="00B050"/>
+            </a:solidFill>
+            <a:prstDash val="sysDash"/>
+          </a:ln>
+        </p:spPr>
+        <p:style>
+          <a:lnRef idx="2">
+            <a:schemeClr val="accent1">
+              <a:shade val="50000"/>
+            </a:schemeClr>
+          </a:lnRef>
+          <a:fillRef idx="1">
+            <a:schemeClr val="accent1"/>
+          </a:fillRef>
+          <a:effectRef idx="0">
+            <a:schemeClr val="accent1"/>
+          </a:effectRef>
+          <a:fontRef idx="minor">
+            <a:schemeClr val="lt1"/>
+          </a:fontRef>
+        </p:style>
+      </p:cxnSp>
+      <p:sp>
+        <p:nvSpPr>
+          <p:cNvPr id="8" name="Rectangle 7">
+            <a:extLst>
+              <a:ext uri="{FF2B5EF4-FFF2-40B4-BE49-F238E27FC236}">
+                <a16:creationId xmlns:a16="http://schemas.microsoft.com/office/drawing/2014/main" id="{AFE4F8BF-4842-4F78-9FA1-3FC49057C622}"/>
+              </a:ext>
+            </a:extLst>
+          </p:cNvPr>
+          <p:cNvSpPr/>
+          <p:nvPr/>
+        </p:nvSpPr>
+        <p:spPr>
+          <a:xfrm>
+            <a:off x="1187624" y="2838866"/>
+            <a:ext cx="4824536" cy="3181295"/>
+          </a:xfrm>
+          <a:prstGeom prst="rect">
+            <a:avLst/>
+          </a:prstGeom>
+          <a:noFill/>
+          <a:ln w="38100">
+            <a:solidFill>
+              <a:srgbClr val="00B050"/>
+            </a:solidFill>
+            <a:prstDash val="sysDash"/>
+          </a:ln>
+        </p:spPr>
+        <p:style>
+          <a:lnRef idx="2">
+            <a:schemeClr val="accent1">
+              <a:shade val="50000"/>
+            </a:schemeClr>
+          </a:lnRef>
+          <a:fillRef idx="1">
+            <a:schemeClr val="accent1"/>
+          </a:fillRef>
+          <a:effectRef idx="0">
+            <a:schemeClr val="accent1"/>
+          </a:effectRef>
+          <a:fontRef idx="minor">
+            <a:schemeClr val="lt1"/>
+          </a:fontRef>
+        </p:style>
+        <p:txBody>
+          <a:bodyPr rtlCol="0" anchor="ctr"/>
+          <a:lstStyle/>
+          <a:p>
+            <a:pPr algn="ctr"/>
+            <a:endParaRPr lang="fr-FR"/>
+          </a:p>
+        </p:txBody>
+      </p:sp>
+      <p:cxnSp>
+        <p:nvCxnSpPr>
+          <p:cNvPr id="12" name="Connecteur droit 11">
+            <a:extLst>
+              <a:ext uri="{FF2B5EF4-FFF2-40B4-BE49-F238E27FC236}">
+                <a16:creationId xmlns:a16="http://schemas.microsoft.com/office/drawing/2014/main" id="{4314B6E8-D84A-4A7B-A909-257DADF16A0D}"/>
+              </a:ext>
+            </a:extLst>
+          </p:cNvPr>
+          <p:cNvCxnSpPr>
+            <a:cxnSpLocks/>
+          </p:cNvCxnSpPr>
+          <p:nvPr/>
+        </p:nvCxnSpPr>
+        <p:spPr>
+          <a:xfrm flipH="1">
+            <a:off x="1187624" y="915757"/>
+            <a:ext cx="4331552" cy="1923109"/>
+          </a:xfrm>
+          <a:prstGeom prst="line">
+            <a:avLst/>
+          </a:prstGeom>
+          <a:noFill/>
+          <a:ln w="38100">
+            <a:solidFill>
+              <a:srgbClr val="00B050"/>
+            </a:solidFill>
+            <a:prstDash val="sysDash"/>
+          </a:ln>
+        </p:spPr>
+        <p:style>
+          <a:lnRef idx="2">
+            <a:schemeClr val="accent1">
+              <a:shade val="50000"/>
+            </a:schemeClr>
+          </a:lnRef>
+          <a:fillRef idx="1">
+            <a:schemeClr val="accent1"/>
+          </a:fillRef>
+          <a:effectRef idx="0">
+            <a:schemeClr val="accent1"/>
+          </a:effectRef>
+          <a:fontRef idx="minor">
+            <a:schemeClr val="lt1"/>
+          </a:fontRef>
+        </p:style>
+      </p:cxnSp>
+      <p:cxnSp>
+        <p:nvCxnSpPr>
+          <p:cNvPr id="15" name="Connecteur droit 14">
+            <a:extLst>
+              <a:ext uri="{FF2B5EF4-FFF2-40B4-BE49-F238E27FC236}">
+                <a16:creationId xmlns:a16="http://schemas.microsoft.com/office/drawing/2014/main" id="{5AE7EFD7-4A1F-457F-B77A-A468EF7BF97D}"/>
+              </a:ext>
+            </a:extLst>
+          </p:cNvPr>
+          <p:cNvCxnSpPr>
+            <a:cxnSpLocks/>
+          </p:cNvCxnSpPr>
+          <p:nvPr/>
+        </p:nvCxnSpPr>
+        <p:spPr>
+          <a:xfrm>
+            <a:off x="5868144" y="915757"/>
+            <a:ext cx="144016" cy="1923109"/>
+          </a:xfrm>
+          <a:prstGeom prst="line">
+            <a:avLst/>
+          </a:prstGeom>
+          <a:noFill/>
+          <a:ln w="38100">
+            <a:solidFill>
+              <a:srgbClr val="00B050"/>
+            </a:solidFill>
+            <a:prstDash val="sysDash"/>
+          </a:ln>
+        </p:spPr>
+        <p:style>
+          <a:lnRef idx="2">
+            <a:schemeClr val="accent1">
+              <a:shade val="50000"/>
+            </a:schemeClr>
+          </a:lnRef>
+          <a:fillRef idx="1">
+            <a:schemeClr val="accent1"/>
+          </a:fillRef>
+          <a:effectRef idx="0">
+            <a:schemeClr val="accent1"/>
+          </a:effectRef>
+          <a:fontRef idx="minor">
+            <a:schemeClr val="lt1"/>
+          </a:fontRef>
+        </p:style>
+      </p:cxnSp>
+      <p:sp>
+        <p:nvSpPr>
+          <p:cNvPr id="18" name="Rectangle 17">
+            <a:extLst>
+              <a:ext uri="{FF2B5EF4-FFF2-40B4-BE49-F238E27FC236}">
+                <a16:creationId xmlns:a16="http://schemas.microsoft.com/office/drawing/2014/main" id="{92FE5F9A-1370-48A9-B5FA-CD47CF1C354B}"/>
+              </a:ext>
+            </a:extLst>
+          </p:cNvPr>
+          <p:cNvSpPr/>
+          <p:nvPr/>
+        </p:nvSpPr>
+        <p:spPr>
+          <a:xfrm>
+            <a:off x="4223031" y="3252499"/>
+            <a:ext cx="1717121" cy="320518"/>
+          </a:xfrm>
+          <a:prstGeom prst="rect">
+            <a:avLst/>
+          </a:prstGeom>
+          <a:noFill/>
+          <a:ln w="38100">
+            <a:solidFill>
+              <a:srgbClr val="00B050"/>
+            </a:solidFill>
+            <a:prstDash val="sysDash"/>
+          </a:ln>
+        </p:spPr>
+        <p:style>
+          <a:lnRef idx="2">
+            <a:schemeClr val="accent1">
+              <a:shade val="50000"/>
+            </a:schemeClr>
+          </a:lnRef>
+          <a:fillRef idx="1">
+            <a:schemeClr val="accent1"/>
+          </a:fillRef>
+          <a:effectRef idx="0">
+            <a:schemeClr val="accent1"/>
+          </a:effectRef>
+          <a:fontRef idx="minor">
+            <a:schemeClr val="lt1"/>
+          </a:fontRef>
+        </p:style>
+        <p:txBody>
+          <a:bodyPr rtlCol="0" anchor="ctr"/>
+          <a:lstStyle/>
+          <a:p>
+            <a:pPr algn="ctr"/>
+            <a:endParaRPr lang="fr-FR"/>
+          </a:p>
+        </p:txBody>
+      </p:sp>
+      <p:sp>
+        <p:nvSpPr>
+          <p:cNvPr id="19" name="Rectangle 18">
+            <a:extLst>
+              <a:ext uri="{FF2B5EF4-FFF2-40B4-BE49-F238E27FC236}">
+                <a16:creationId xmlns:a16="http://schemas.microsoft.com/office/drawing/2014/main" id="{087EC37E-BD11-40AF-9745-BE6B7D271AAB}"/>
+              </a:ext>
+            </a:extLst>
+          </p:cNvPr>
+          <p:cNvSpPr/>
+          <p:nvPr/>
+        </p:nvSpPr>
+        <p:spPr>
+          <a:xfrm>
+            <a:off x="1475656" y="3718308"/>
+            <a:ext cx="1717121" cy="320518"/>
+          </a:xfrm>
+          <a:prstGeom prst="rect">
+            <a:avLst/>
+          </a:prstGeom>
+          <a:noFill/>
+          <a:ln w="38100">
+            <a:solidFill>
+              <a:srgbClr val="00B050"/>
+            </a:solidFill>
+            <a:prstDash val="sysDash"/>
+          </a:ln>
+        </p:spPr>
+        <p:style>
+          <a:lnRef idx="2">
+            <a:schemeClr val="accent1">
+              <a:shade val="50000"/>
+            </a:schemeClr>
+          </a:lnRef>
+          <a:fillRef idx="1">
+            <a:schemeClr val="accent1"/>
+          </a:fillRef>
+          <a:effectRef idx="0">
+            <a:schemeClr val="accent1"/>
+          </a:effectRef>
+          <a:fontRef idx="minor">
+            <a:schemeClr val="lt1"/>
+          </a:fontRef>
+        </p:style>
+        <p:txBody>
+          <a:bodyPr rtlCol="0" anchor="ctr"/>
+          <a:lstStyle/>
+          <a:p>
+            <a:pPr algn="ctr"/>
+            <a:endParaRPr lang="fr-FR"/>
+          </a:p>
+        </p:txBody>
+      </p:sp>
+      <p:sp>
+        <p:nvSpPr>
+          <p:cNvPr id="20" name="Rectangle 19">
+            <a:extLst>
+              <a:ext uri="{FF2B5EF4-FFF2-40B4-BE49-F238E27FC236}">
+                <a16:creationId xmlns:a16="http://schemas.microsoft.com/office/drawing/2014/main" id="{88628064-62C7-4858-AFDB-D234A51A75A5}"/>
+              </a:ext>
+            </a:extLst>
+          </p:cNvPr>
+          <p:cNvSpPr/>
+          <p:nvPr/>
+        </p:nvSpPr>
+        <p:spPr>
+          <a:xfrm>
+            <a:off x="5004048" y="5634158"/>
+            <a:ext cx="783258" cy="320518"/>
+          </a:xfrm>
+          <a:prstGeom prst="rect">
+            <a:avLst/>
+          </a:prstGeom>
+          <a:noFill/>
+          <a:ln w="38100">
+            <a:solidFill>
+              <a:srgbClr val="00B050"/>
+            </a:solidFill>
+            <a:prstDash val="sysDash"/>
+          </a:ln>
+        </p:spPr>
+        <p:style>
+          <a:lnRef idx="2">
+            <a:schemeClr val="accent1">
+              <a:shade val="50000"/>
+            </a:schemeClr>
+          </a:lnRef>
+          <a:fillRef idx="1">
+            <a:schemeClr val="accent1"/>
+          </a:fillRef>
+          <a:effectRef idx="0">
+            <a:schemeClr val="accent1"/>
+          </a:effectRef>
+          <a:fontRef idx="minor">
+            <a:schemeClr val="lt1"/>
+          </a:fontRef>
+        </p:style>
+        <p:txBody>
+          <a:bodyPr rtlCol="0" anchor="ctr"/>
+          <a:lstStyle/>
+          <a:p>
+            <a:pPr algn="ctr"/>
+            <a:endParaRPr lang="fr-FR"/>
+          </a:p>
+        </p:txBody>
+      </p:sp>
+    </p:spTree>
+    <p:extLst>
+      <p:ext uri="{BB962C8B-B14F-4D97-AF65-F5344CB8AC3E}">
+        <p14:creationId xmlns:p14="http://schemas.microsoft.com/office/powerpoint/2010/main" val="3674009970"/>
+      </p:ext>
+    </p:extLst>
+  </p:cSld>
+  <p:clrMapOvr>
+    <a:masterClrMapping/>
+  </p:clrMapOvr>
+</p:sld>
+</file>
+
 <file path=ppt/theme/theme1.xml><?xml version="1.0" encoding="utf-8"?>
 <a:theme xmlns:a="http://schemas.openxmlformats.org/drawingml/2006/main" name="Thème Office">
   <a:themeElements>
